--- a/Presentation.pptx
+++ b/Presentation.pptx
@@ -279,8 +279,11 @@
     </a:lvl9pPr>
   </p:defaultTextStyle>
   <p:extLst>
+    <p:ext uri="{EFAFB233-063F-42B5-8137-9DF3F51BA10A}">
+      <p15:sldGuideLst xmlns:p15="http://schemas.microsoft.com/office/powerpoint/2012/main"/>
+    </p:ext>
     <p:ext uri="http://customooxmlschemas.google.com/">
-      <go:slidesCustomData xmlns:go="http://customooxmlschemas.google.com/" xmlns:ahyp="http://schemas.microsoft.com/office/drawing/2018/hyperlinkcolor" xmlns:p15="http://schemas.microsoft.com/office/powerpoint/2012/main" xmlns:p14="http://schemas.microsoft.com/office/powerpoint/2010/main" xmlns:com="http://schemas.openxmlformats.org/drawingml/2006/compatibility" xmlns:pvml="urn:schemas-microsoft-com:office:powerpoint" xmlns:v="urn:schemas-microsoft-com:vml" xmlns:o="urn:schemas-microsoft-com:office:office" xmlns:dgm="http://schemas.openxmlformats.org/drawingml/2006/diagram" xmlns:c="http://schemas.openxmlformats.org/drawingml/2006/chart" xmlns:mv="urn:schemas-microsoft-com:mac:vml" xmlns:mc="http://schemas.openxmlformats.org/markup-compatibility/2006" xmlns="" r:id="rId27" roundtripDataSignature="AMtx7mgst2okUwZUNYYq3NP+52AZVXs6OA=="/>
+      <go:slidesCustomData xmlns="" xmlns:mc="http://schemas.openxmlformats.org/markup-compatibility/2006" xmlns:mv="urn:schemas-microsoft-com:mac:vml" xmlns:c="http://schemas.openxmlformats.org/drawingml/2006/chart" xmlns:dgm="http://schemas.openxmlformats.org/drawingml/2006/diagram" xmlns:o="urn:schemas-microsoft-com:office:office" xmlns:v="urn:schemas-microsoft-com:vml" xmlns:pvml="urn:schemas-microsoft-com:office:powerpoint" xmlns:com="http://schemas.openxmlformats.org/drawingml/2006/compatibility" xmlns:p14="http://schemas.microsoft.com/office/powerpoint/2010/main" xmlns:p15="http://schemas.microsoft.com/office/powerpoint/2012/main" xmlns:ahyp="http://schemas.microsoft.com/office/drawing/2018/hyperlinkcolor" xmlns:go="http://customooxmlschemas.google.com/" r:id="rId27" roundtripDataSignature="AMtx7mgst2okUwZUNYYq3NP+52AZVXs6OA=="/>
     </p:ext>
   </p:extLst>
 </p:presentation>
@@ -1210,8 +1213,8 @@
         </p:nvSpPr>
         <p:spPr>
           <a:xfrm>
-            <a:off x="1143225" y="685800"/>
-            <a:ext cx="4572225" cy="3429000"/>
+            <a:off x="381000" y="685800"/>
+            <a:ext cx="6096000" cy="3429000"/>
           </a:xfrm>
           <a:custGeom>
             <a:avLst/>
@@ -61097,7 +61100,7 @@
         <p:fade thruBlk="1"/>
       </p:transition>
     </mc:Choice>
-    <mc:Fallback xmlns:ahyp="http://schemas.microsoft.com/office/drawing/2018/hyperlinkcolor" xmlns:p15="http://schemas.microsoft.com/office/powerpoint/2012/main" xmlns:com="http://schemas.openxmlformats.org/drawingml/2006/compatibility" xmlns:pvml="urn:schemas-microsoft-com:office:powerpoint" xmlns:v="urn:schemas-microsoft-com:vml" xmlns:o="urn:schemas-microsoft-com:office:office" xmlns:dgm="http://schemas.openxmlformats.org/drawingml/2006/diagram" xmlns:c="http://schemas.openxmlformats.org/drawingml/2006/chart" xmlns:mv="urn:schemas-microsoft-com:mac:vml" xmlns="">
+    <mc:Fallback xmlns="" xmlns:mv="urn:schemas-microsoft-com:mac:vml" xmlns:c="http://schemas.openxmlformats.org/drawingml/2006/chart" xmlns:dgm="http://schemas.openxmlformats.org/drawingml/2006/diagram" xmlns:o="urn:schemas-microsoft-com:office:office" xmlns:v="urn:schemas-microsoft-com:vml" xmlns:pvml="urn:schemas-microsoft-com:office:powerpoint" xmlns:com="http://schemas.openxmlformats.org/drawingml/2006/compatibility" xmlns:p15="http://schemas.microsoft.com/office/powerpoint/2012/main" xmlns:ahyp="http://schemas.microsoft.com/office/drawing/2018/hyperlinkcolor">
       <p:transition spd="slow">
         <p:fade/>
       </p:transition>
@@ -61220,10 +61223,26 @@
               <a:buChar char="•"/>
             </a:pPr>
             <a:r>
-              <a:rPr lang="en-IN" sz="3900"/>
-              <a:t>Basic Idea behind this topic is to give analysis of different hospitals data through data entry by handly or uploading csvs with suggestions.</a:t>
+              <a:rPr lang="en-IN" sz="3900" dirty="0"/>
+              <a:t>Basic Idea behind this topic is to give analysis of different hospitals data through data entry by </a:t>
             </a:r>
-            <a:endParaRPr sz="3900"/>
+            <a:r>
+              <a:rPr lang="en-IN" sz="3900" dirty="0" err="1"/>
+              <a:t>handly</a:t>
+            </a:r>
+            <a:r>
+              <a:rPr lang="en-IN" sz="3900" dirty="0"/>
+              <a:t> or uploading </a:t>
+            </a:r>
+            <a:r>
+              <a:rPr lang="en-IN" sz="3900" dirty="0" err="1"/>
+              <a:t>csvs</a:t>
+            </a:r>
+            <a:r>
+              <a:rPr lang="en-IN" sz="3900" dirty="0"/>
+              <a:t> with suggestions.</a:t>
+            </a:r>
+            <a:endParaRPr sz="3900" dirty="0"/>
           </a:p>
           <a:p>
             <a:pPr marL="228600" lvl="0" indent="-229076" algn="l" rtl="0">
@@ -61243,10 +61262,10 @@
               <a:buChar char="•"/>
             </a:pPr>
             <a:r>
-              <a:rPr lang="en-IN" sz="3900"/>
+              <a:rPr lang="en-IN" sz="3900" dirty="0"/>
               <a:t>Different types of Graphs will be created by these data of different regions of hospital which helps in better understanding of different hospitals at different levels.</a:t>
             </a:r>
-            <a:endParaRPr sz="3900"/>
+            <a:endParaRPr sz="3900" dirty="0"/>
           </a:p>
         </p:txBody>
       </p:sp>
@@ -61375,10 +61394,10 @@
               <a:buChar char="•"/>
             </a:pPr>
             <a:r>
-              <a:rPr lang="en-IN" sz="4000"/>
+              <a:rPr lang="en-IN" sz="4000" dirty="0"/>
               <a:t>Connecting it to Internet and making profile systems.</a:t>
             </a:r>
-            <a:endParaRPr sz="4000"/>
+            <a:endParaRPr sz="4000" dirty="0"/>
           </a:p>
           <a:p>
             <a:pPr marL="228600" lvl="0" indent="-254000" algn="l" rtl="0">
@@ -61398,10 +61417,18 @@
               <a:buChar char="•"/>
             </a:pPr>
             <a:r>
-              <a:rPr lang="en-IN" sz="4000"/>
-              <a:t>Adding some machinery stuffs which can perform some machine learning stuffs like data preprocessing and PCA.</a:t>
+              <a:rPr lang="en-IN" sz="4000" dirty="0"/>
+              <a:t>Adding some machinery stuffs which can perform some machine learning stuffs like data </a:t>
             </a:r>
-            <a:endParaRPr sz="4000"/>
+            <a:r>
+              <a:rPr lang="en-IN" sz="4000" dirty="0" err="1"/>
+              <a:t>preprocessing</a:t>
+            </a:r>
+            <a:r>
+              <a:rPr lang="en-IN" sz="4000" dirty="0"/>
+              <a:t> and PCA.</a:t>
+            </a:r>
+            <a:endParaRPr sz="4000" dirty="0"/>
           </a:p>
           <a:p>
             <a:pPr marL="228600" lvl="0" indent="0" algn="l" rtl="0">
@@ -61416,7 +61443,7 @@
               </a:spcAft>
               <a:buNone/>
             </a:pPr>
-            <a:endParaRPr/>
+            <a:endParaRPr dirty="0"/>
           </a:p>
         </p:txBody>
       </p:sp>
@@ -61431,7 +61458,7 @@
         <p14:flythrough dir="out"/>
       </p:transition>
     </mc:Choice>
-    <mc:Fallback xmlns:ahyp="http://schemas.microsoft.com/office/drawing/2018/hyperlinkcolor" xmlns:p15="http://schemas.microsoft.com/office/powerpoint/2012/main" xmlns:com="http://schemas.openxmlformats.org/drawingml/2006/compatibility" xmlns:pvml="urn:schemas-microsoft-com:office:powerpoint" xmlns:v="urn:schemas-microsoft-com:vml" xmlns:o="urn:schemas-microsoft-com:office:office" xmlns:dgm="http://schemas.openxmlformats.org/drawingml/2006/diagram" xmlns:c="http://schemas.openxmlformats.org/drawingml/2006/chart" xmlns:mv="urn:schemas-microsoft-com:mac:vml" xmlns="">
+    <mc:Fallback xmlns="" xmlns:mv="urn:schemas-microsoft-com:mac:vml" xmlns:c="http://schemas.openxmlformats.org/drawingml/2006/chart" xmlns:dgm="http://schemas.openxmlformats.org/drawingml/2006/diagram" xmlns:o="urn:schemas-microsoft-com:office:office" xmlns:v="urn:schemas-microsoft-com:vml" xmlns:pvml="urn:schemas-microsoft-com:office:powerpoint" xmlns:com="http://schemas.openxmlformats.org/drawingml/2006/compatibility" xmlns:p15="http://schemas.microsoft.com/office/powerpoint/2012/main" xmlns:ahyp="http://schemas.microsoft.com/office/drawing/2018/hyperlinkcolor">
       <p:transition spd="med">
         <p:fade/>
       </p:transition>
@@ -61604,13 +61631,9 @@
             </a:r>
             <a:r>
               <a:rPr lang="en-IN" sz="4400" dirty="0"/>
-              <a:t>, csv</a:t>
+              <a:t>, csv, time</a:t>
             </a:r>
-            <a:r>
-              <a:rPr lang="en-IN" sz="4400"/>
-              <a:t>, time</a:t>
-            </a:r>
-            <a:endParaRPr/>
+            <a:endParaRPr dirty="0"/>
           </a:p>
         </p:txBody>
       </p:sp>
@@ -61739,10 +61762,10 @@
               <a:buChar char="●"/>
             </a:pPr>
             <a:r>
-              <a:rPr lang="en-IN" sz="3200"/>
+              <a:rPr lang="en-IN" sz="3200" dirty="0"/>
               <a:t>This will help the society to have better ideas about health care facilities available in their area.</a:t>
             </a:r>
-            <a:endParaRPr/>
+            <a:endParaRPr dirty="0"/>
           </a:p>
           <a:p>
             <a:pPr marL="182880" lvl="0" indent="-203200" algn="l" rtl="0">
@@ -61759,10 +61782,10 @@
               <a:buChar char="●"/>
             </a:pPr>
             <a:r>
-              <a:rPr lang="en-IN" sz="3200"/>
+              <a:rPr lang="en-IN" sz="3200" dirty="0"/>
               <a:t>Government will know where to improve what facilities.</a:t>
             </a:r>
-            <a:endParaRPr/>
+            <a:endParaRPr dirty="0"/>
           </a:p>
           <a:p>
             <a:pPr marL="182880" lvl="0" indent="-203200" algn="l" rtl="0">
@@ -61779,10 +61802,10 @@
               <a:buChar char="●"/>
             </a:pPr>
             <a:r>
-              <a:rPr lang="en-IN" sz="3200"/>
-              <a:t>Gives comparison between hospitals not only increases competition but also help common ones to have better choice.</a:t>
+              <a:rPr lang="en-IN" sz="3200" dirty="0"/>
+              <a:t>Gives comparison between hospitals not only increases competition but also help common ones to have better choice for treatment.</a:t>
             </a:r>
-            <a:endParaRPr/>
+            <a:endParaRPr dirty="0"/>
           </a:p>
         </p:txBody>
       </p:sp>
